--- a/presentation/CircuitPython intro.pptx
+++ b/presentation/CircuitPython intro.pptx
@@ -14,6 +14,12 @@
     <p:sldId id="259" r:id="rId9"/>
     <p:sldId id="260" r:id="rId10"/>
     <p:sldId id="261" r:id="rId11"/>
+    <p:sldId id="262" r:id="rId12"/>
+    <p:sldId id="263" r:id="rId13"/>
+    <p:sldId id="264" r:id="rId14"/>
+    <p:sldId id="265" r:id="rId15"/>
+    <p:sldId id="266" r:id="rId16"/>
+    <p:sldId id="267" r:id="rId17"/>
   </p:sldIdLst>
   <p:sldSz cy="5143500" cx="9144000"/>
   <p:notesSz cx="6858000" cy="9144000"/>
@@ -790,6 +796,303 @@
 </p:notes>
 </file>
 
+<file path=ppt/notesSlides/notesSlide10.xml><?xml version="1.0" encoding="utf-8"?>
+<p:notes xmlns:a="http://schemas.openxmlformats.org/drawingml/2006/main" xmlns:r="http://schemas.openxmlformats.org/officeDocument/2006/relationships" xmlns:mc="http://schemas.openxmlformats.org/markup-compatibility/2006" xmlns:mv="urn:schemas-microsoft-com:mac:vml" xmlns:p="http://schemas.openxmlformats.org/presentationml/2006/main" xmlns:c="http://schemas.openxmlformats.org/drawingml/2006/chart" xmlns:dgm="http://schemas.openxmlformats.org/drawingml/2006/diagram" xmlns:o="urn:schemas-microsoft-com:office:office" xmlns:v="urn:schemas-microsoft-com:vml" xmlns:pvml="urn:schemas-microsoft-com:office:powerpoint" xmlns:com="http://schemas.openxmlformats.org/drawingml/2006/compatibility" xmlns:p14="http://schemas.microsoft.com/office/powerpoint/2010/main" xmlns:p15="http://schemas.microsoft.com/office/powerpoint/2012/main" xmlns:ahyp="http://schemas.microsoft.com/office/drawing/2018/hyperlinkcolor" showMasterPhAnim="0" showMasterSp="0">
+  <p:cSld>
+    <p:spTree>
+      <p:nvGrpSpPr>
+        <p:cNvPr id="105" name="Shape 105"/>
+        <p:cNvGrpSpPr/>
+        <p:nvPr/>
+      </p:nvGrpSpPr>
+      <p:grpSpPr>
+        <a:xfrm>
+          <a:off x="0" y="0"/>
+          <a:ext cx="0" cy="0"/>
+          <a:chOff x="0" y="0"/>
+          <a:chExt cx="0" cy="0"/>
+        </a:xfrm>
+      </p:grpSpPr>
+      <p:sp>
+        <p:nvSpPr>
+          <p:cNvPr id="106" name="Google Shape;106;gbe5a68a0ff_0_57:notes"/>
+          <p:cNvSpPr/>
+          <p:nvPr>
+            <p:ph idx="2" type="sldImg"/>
+          </p:nvPr>
+        </p:nvSpPr>
+        <p:spPr>
+          <a:xfrm>
+            <a:off x="381300" y="685800"/>
+            <a:ext cx="6096000" cy="3429000"/>
+          </a:xfrm>
+          <a:custGeom>
+            <a:rect b="b" l="l" r="r" t="t"/>
+            <a:pathLst>
+              <a:path extrusionOk="0" h="120000" w="120000">
+                <a:moveTo>
+                  <a:pt x="0" y="0"/>
+                </a:moveTo>
+                <a:lnTo>
+                  <a:pt x="120000" y="0"/>
+                </a:lnTo>
+                <a:lnTo>
+                  <a:pt x="120000" y="120000"/>
+                </a:lnTo>
+                <a:lnTo>
+                  <a:pt x="0" y="120000"/>
+                </a:lnTo>
+                <a:close/>
+              </a:path>
+            </a:pathLst>
+          </a:custGeom>
+        </p:spPr>
+      </p:sp>
+      <p:sp>
+        <p:nvSpPr>
+          <p:cNvPr id="107" name="Google Shape;107;gbe5a68a0ff_0_57:notes"/>
+          <p:cNvSpPr txBox="1"/>
+          <p:nvPr>
+            <p:ph idx="1" type="body"/>
+          </p:nvPr>
+        </p:nvSpPr>
+        <p:spPr>
+          <a:xfrm>
+            <a:off x="685800" y="4343400"/>
+            <a:ext cx="5486400" cy="4114800"/>
+          </a:xfrm>
+          <a:prstGeom prst="rect">
+            <a:avLst/>
+          </a:prstGeom>
+        </p:spPr>
+        <p:txBody>
+          <a:bodyPr anchorCtr="0" anchor="t" bIns="91425" lIns="91425" spcFirstLastPara="1" rIns="91425" wrap="square" tIns="91425">
+            <a:noAutofit/>
+          </a:bodyPr>
+          <a:lstStyle/>
+          <a:p>
+            <a:pPr indent="0" lvl="0" marL="0" rtl="0" algn="l">
+              <a:spcBef>
+                <a:spcPts val="0"/>
+              </a:spcBef>
+              <a:spcAft>
+                <a:spcPts val="0"/>
+              </a:spcAft>
+              <a:buNone/>
+            </a:pPr>
+            <a:r>
+              <a:t/>
+            </a:r>
+            <a:endParaRPr/>
+          </a:p>
+        </p:txBody>
+      </p:sp>
+    </p:spTree>
+  </p:cSld>
+  <p:clrMapOvr>
+    <a:masterClrMapping/>
+  </p:clrMapOvr>
+</p:notes>
+</file>
+
+<file path=ppt/notesSlides/notesSlide11.xml><?xml version="1.0" encoding="utf-8"?>
+<p:notes xmlns:a="http://schemas.openxmlformats.org/drawingml/2006/main" xmlns:r="http://schemas.openxmlformats.org/officeDocument/2006/relationships" xmlns:mc="http://schemas.openxmlformats.org/markup-compatibility/2006" xmlns:mv="urn:schemas-microsoft-com:mac:vml" xmlns:p="http://schemas.openxmlformats.org/presentationml/2006/main" xmlns:c="http://schemas.openxmlformats.org/drawingml/2006/chart" xmlns:dgm="http://schemas.openxmlformats.org/drawingml/2006/diagram" xmlns:o="urn:schemas-microsoft-com:office:office" xmlns:v="urn:schemas-microsoft-com:vml" xmlns:pvml="urn:schemas-microsoft-com:office:powerpoint" xmlns:com="http://schemas.openxmlformats.org/drawingml/2006/compatibility" xmlns:p14="http://schemas.microsoft.com/office/powerpoint/2010/main" xmlns:p15="http://schemas.microsoft.com/office/powerpoint/2012/main" xmlns:ahyp="http://schemas.microsoft.com/office/drawing/2018/hyperlinkcolor" showMasterPhAnim="0" showMasterSp="0">
+  <p:cSld>
+    <p:spTree>
+      <p:nvGrpSpPr>
+        <p:cNvPr id="112" name="Shape 112"/>
+        <p:cNvGrpSpPr/>
+        <p:nvPr/>
+      </p:nvGrpSpPr>
+      <p:grpSpPr>
+        <a:xfrm>
+          <a:off x="0" y="0"/>
+          <a:ext cx="0" cy="0"/>
+          <a:chOff x="0" y="0"/>
+          <a:chExt cx="0" cy="0"/>
+        </a:xfrm>
+      </p:grpSpPr>
+      <p:sp>
+        <p:nvSpPr>
+          <p:cNvPr id="113" name="Google Shape;113;gbe5a68a0ff_0_63:notes"/>
+          <p:cNvSpPr/>
+          <p:nvPr>
+            <p:ph idx="2" type="sldImg"/>
+          </p:nvPr>
+        </p:nvSpPr>
+        <p:spPr>
+          <a:xfrm>
+            <a:off x="381300" y="685800"/>
+            <a:ext cx="6096000" cy="3429000"/>
+          </a:xfrm>
+          <a:custGeom>
+            <a:rect b="b" l="l" r="r" t="t"/>
+            <a:pathLst>
+              <a:path extrusionOk="0" h="120000" w="120000">
+                <a:moveTo>
+                  <a:pt x="0" y="0"/>
+                </a:moveTo>
+                <a:lnTo>
+                  <a:pt x="120000" y="0"/>
+                </a:lnTo>
+                <a:lnTo>
+                  <a:pt x="120000" y="120000"/>
+                </a:lnTo>
+                <a:lnTo>
+                  <a:pt x="0" y="120000"/>
+                </a:lnTo>
+                <a:close/>
+              </a:path>
+            </a:pathLst>
+          </a:custGeom>
+        </p:spPr>
+      </p:sp>
+      <p:sp>
+        <p:nvSpPr>
+          <p:cNvPr id="114" name="Google Shape;114;gbe5a68a0ff_0_63:notes"/>
+          <p:cNvSpPr txBox="1"/>
+          <p:nvPr>
+            <p:ph idx="1" type="body"/>
+          </p:nvPr>
+        </p:nvSpPr>
+        <p:spPr>
+          <a:xfrm>
+            <a:off x="685800" y="4343400"/>
+            <a:ext cx="5486400" cy="4114800"/>
+          </a:xfrm>
+          <a:prstGeom prst="rect">
+            <a:avLst/>
+          </a:prstGeom>
+        </p:spPr>
+        <p:txBody>
+          <a:bodyPr anchorCtr="0" anchor="t" bIns="91425" lIns="91425" spcFirstLastPara="1" rIns="91425" wrap="square" tIns="91425">
+            <a:noAutofit/>
+          </a:bodyPr>
+          <a:lstStyle/>
+          <a:p>
+            <a:pPr indent="0" lvl="0" marL="0" rtl="0" algn="l">
+              <a:spcBef>
+                <a:spcPts val="0"/>
+              </a:spcBef>
+              <a:spcAft>
+                <a:spcPts val="0"/>
+              </a:spcAft>
+              <a:buNone/>
+            </a:pPr>
+            <a:r>
+              <a:t/>
+            </a:r>
+            <a:endParaRPr/>
+          </a:p>
+        </p:txBody>
+      </p:sp>
+    </p:spTree>
+  </p:cSld>
+  <p:clrMapOvr>
+    <a:masterClrMapping/>
+  </p:clrMapOvr>
+</p:notes>
+</file>
+
+<file path=ppt/notesSlides/notesSlide12.xml><?xml version="1.0" encoding="utf-8"?>
+<p:notes xmlns:a="http://schemas.openxmlformats.org/drawingml/2006/main" xmlns:r="http://schemas.openxmlformats.org/officeDocument/2006/relationships" xmlns:mc="http://schemas.openxmlformats.org/markup-compatibility/2006" xmlns:mv="urn:schemas-microsoft-com:mac:vml" xmlns:p="http://schemas.openxmlformats.org/presentationml/2006/main" xmlns:c="http://schemas.openxmlformats.org/drawingml/2006/chart" xmlns:dgm="http://schemas.openxmlformats.org/drawingml/2006/diagram" xmlns:o="urn:schemas-microsoft-com:office:office" xmlns:v="urn:schemas-microsoft-com:vml" xmlns:pvml="urn:schemas-microsoft-com:office:powerpoint" xmlns:com="http://schemas.openxmlformats.org/drawingml/2006/compatibility" xmlns:p14="http://schemas.microsoft.com/office/powerpoint/2010/main" xmlns:p15="http://schemas.microsoft.com/office/powerpoint/2012/main" xmlns:ahyp="http://schemas.microsoft.com/office/drawing/2018/hyperlinkcolor" showMasterPhAnim="0" showMasterSp="0">
+  <p:cSld>
+    <p:spTree>
+      <p:nvGrpSpPr>
+        <p:cNvPr id="119" name="Shape 119"/>
+        <p:cNvGrpSpPr/>
+        <p:nvPr/>
+      </p:nvGrpSpPr>
+      <p:grpSpPr>
+        <a:xfrm>
+          <a:off x="0" y="0"/>
+          <a:ext cx="0" cy="0"/>
+          <a:chOff x="0" y="0"/>
+          <a:chExt cx="0" cy="0"/>
+        </a:xfrm>
+      </p:grpSpPr>
+      <p:sp>
+        <p:nvSpPr>
+          <p:cNvPr id="120" name="Google Shape;120;gbe5a68a0ff_0_9:notes"/>
+          <p:cNvSpPr/>
+          <p:nvPr>
+            <p:ph idx="2" type="sldImg"/>
+          </p:nvPr>
+        </p:nvSpPr>
+        <p:spPr>
+          <a:xfrm>
+            <a:off x="381300" y="685800"/>
+            <a:ext cx="6096000" cy="3429000"/>
+          </a:xfrm>
+          <a:custGeom>
+            <a:rect b="b" l="l" r="r" t="t"/>
+            <a:pathLst>
+              <a:path extrusionOk="0" h="120000" w="120000">
+                <a:moveTo>
+                  <a:pt x="0" y="0"/>
+                </a:moveTo>
+                <a:lnTo>
+                  <a:pt x="120000" y="0"/>
+                </a:lnTo>
+                <a:lnTo>
+                  <a:pt x="120000" y="120000"/>
+                </a:lnTo>
+                <a:lnTo>
+                  <a:pt x="0" y="120000"/>
+                </a:lnTo>
+                <a:close/>
+              </a:path>
+            </a:pathLst>
+          </a:custGeom>
+        </p:spPr>
+      </p:sp>
+      <p:sp>
+        <p:nvSpPr>
+          <p:cNvPr id="121" name="Google Shape;121;gbe5a68a0ff_0_9:notes"/>
+          <p:cNvSpPr txBox="1"/>
+          <p:nvPr>
+            <p:ph idx="1" type="body"/>
+          </p:nvPr>
+        </p:nvSpPr>
+        <p:spPr>
+          <a:xfrm>
+            <a:off x="685800" y="4343400"/>
+            <a:ext cx="5486400" cy="4114800"/>
+          </a:xfrm>
+          <a:prstGeom prst="rect">
+            <a:avLst/>
+          </a:prstGeom>
+        </p:spPr>
+        <p:txBody>
+          <a:bodyPr anchorCtr="0" anchor="t" bIns="91425" lIns="91425" spcFirstLastPara="1" rIns="91425" wrap="square" tIns="91425">
+            <a:noAutofit/>
+          </a:bodyPr>
+          <a:lstStyle/>
+          <a:p>
+            <a:pPr indent="0" lvl="0" marL="0" rtl="0" algn="l">
+              <a:spcBef>
+                <a:spcPts val="0"/>
+              </a:spcBef>
+              <a:spcAft>
+                <a:spcPts val="0"/>
+              </a:spcAft>
+              <a:buNone/>
+            </a:pPr>
+            <a:r>
+              <a:t/>
+            </a:r>
+            <a:endParaRPr/>
+          </a:p>
+        </p:txBody>
+      </p:sp>
+    </p:spTree>
+  </p:cSld>
+  <p:clrMapOvr>
+    <a:masterClrMapping/>
+  </p:clrMapOvr>
+</p:notes>
+</file>
+
 <file path=ppt/notesSlides/notesSlide2.xml><?xml version="1.0" encoding="utf-8"?>
 <p:notes xmlns:a="http://schemas.openxmlformats.org/drawingml/2006/main" xmlns:r="http://schemas.openxmlformats.org/officeDocument/2006/relationships" xmlns:mc="http://schemas.openxmlformats.org/markup-compatibility/2006" xmlns:mv="urn:schemas-microsoft-com:mac:vml" xmlns:p="http://schemas.openxmlformats.org/presentationml/2006/main" xmlns:c="http://schemas.openxmlformats.org/drawingml/2006/chart" xmlns:dgm="http://schemas.openxmlformats.org/drawingml/2006/diagram" xmlns:o="urn:schemas-microsoft-com:office:office" xmlns:v="urn:schemas-microsoft-com:vml" xmlns:pvml="urn:schemas-microsoft-com:office:powerpoint" xmlns:com="http://schemas.openxmlformats.org/drawingml/2006/compatibility" xmlns:p14="http://schemas.microsoft.com/office/powerpoint/2010/main" xmlns:p15="http://schemas.microsoft.com/office/powerpoint/2012/main" xmlns:ahyp="http://schemas.microsoft.com/office/drawing/2018/hyperlinkcolor" showMasterPhAnim="0" showMasterSp="0">
   <p:cSld>
@@ -1205,7 +1508,7 @@
       </p:grpSpPr>
       <p:sp>
         <p:nvSpPr>
-          <p:cNvPr id="82" name="Google Shape;82;gbe5a68a0ff_0_9:notes"/>
+          <p:cNvPr id="82" name="Google Shape;82;gbec736effc_0_0:notes"/>
           <p:cNvSpPr/>
           <p:nvPr>
             <p:ph idx="2" type="sldImg"/>
@@ -1240,7 +1543,304 @@
       </p:sp>
       <p:sp>
         <p:nvSpPr>
-          <p:cNvPr id="83" name="Google Shape;83;gbe5a68a0ff_0_9:notes"/>
+          <p:cNvPr id="83" name="Google Shape;83;gbec736effc_0_0:notes"/>
+          <p:cNvSpPr txBox="1"/>
+          <p:nvPr>
+            <p:ph idx="1" type="body"/>
+          </p:nvPr>
+        </p:nvSpPr>
+        <p:spPr>
+          <a:xfrm>
+            <a:off x="685800" y="4343400"/>
+            <a:ext cx="5486400" cy="4114800"/>
+          </a:xfrm>
+          <a:prstGeom prst="rect">
+            <a:avLst/>
+          </a:prstGeom>
+        </p:spPr>
+        <p:txBody>
+          <a:bodyPr anchorCtr="0" anchor="t" bIns="91425" lIns="91425" spcFirstLastPara="1" rIns="91425" wrap="square" tIns="91425">
+            <a:noAutofit/>
+          </a:bodyPr>
+          <a:lstStyle/>
+          <a:p>
+            <a:pPr indent="0" lvl="0" marL="0" rtl="0" algn="l">
+              <a:spcBef>
+                <a:spcPts val="0"/>
+              </a:spcBef>
+              <a:spcAft>
+                <a:spcPts val="0"/>
+              </a:spcAft>
+              <a:buNone/>
+            </a:pPr>
+            <a:r>
+              <a:t/>
+            </a:r>
+            <a:endParaRPr/>
+          </a:p>
+        </p:txBody>
+      </p:sp>
+    </p:spTree>
+  </p:cSld>
+  <p:clrMapOvr>
+    <a:masterClrMapping/>
+  </p:clrMapOvr>
+</p:notes>
+</file>
+
+<file path=ppt/notesSlides/notesSlide7.xml><?xml version="1.0" encoding="utf-8"?>
+<p:notes xmlns:a="http://schemas.openxmlformats.org/drawingml/2006/main" xmlns:r="http://schemas.openxmlformats.org/officeDocument/2006/relationships" xmlns:mc="http://schemas.openxmlformats.org/markup-compatibility/2006" xmlns:mv="urn:schemas-microsoft-com:mac:vml" xmlns:p="http://schemas.openxmlformats.org/presentationml/2006/main" xmlns:c="http://schemas.openxmlformats.org/drawingml/2006/chart" xmlns:dgm="http://schemas.openxmlformats.org/drawingml/2006/diagram" xmlns:o="urn:schemas-microsoft-com:office:office" xmlns:v="urn:schemas-microsoft-com:vml" xmlns:pvml="urn:schemas-microsoft-com:office:powerpoint" xmlns:com="http://schemas.openxmlformats.org/drawingml/2006/compatibility" xmlns:p14="http://schemas.microsoft.com/office/powerpoint/2010/main" xmlns:p15="http://schemas.microsoft.com/office/powerpoint/2012/main" xmlns:ahyp="http://schemas.microsoft.com/office/drawing/2018/hyperlinkcolor" showMasterPhAnim="0" showMasterSp="0">
+  <p:cSld>
+    <p:spTree>
+      <p:nvGrpSpPr>
+        <p:cNvPr id="87" name="Shape 87"/>
+        <p:cNvGrpSpPr/>
+        <p:nvPr/>
+      </p:nvGrpSpPr>
+      <p:grpSpPr>
+        <a:xfrm>
+          <a:off x="0" y="0"/>
+          <a:ext cx="0" cy="0"/>
+          <a:chOff x="0" y="0"/>
+          <a:chExt cx="0" cy="0"/>
+        </a:xfrm>
+      </p:grpSpPr>
+      <p:sp>
+        <p:nvSpPr>
+          <p:cNvPr id="88" name="Google Shape;88;gbe5a68a0ff_0_41:notes"/>
+          <p:cNvSpPr/>
+          <p:nvPr>
+            <p:ph idx="2" type="sldImg"/>
+          </p:nvPr>
+        </p:nvSpPr>
+        <p:spPr>
+          <a:xfrm>
+            <a:off x="381300" y="685800"/>
+            <a:ext cx="6096000" cy="3429000"/>
+          </a:xfrm>
+          <a:custGeom>
+            <a:rect b="b" l="l" r="r" t="t"/>
+            <a:pathLst>
+              <a:path extrusionOk="0" h="120000" w="120000">
+                <a:moveTo>
+                  <a:pt x="0" y="0"/>
+                </a:moveTo>
+                <a:lnTo>
+                  <a:pt x="120000" y="0"/>
+                </a:lnTo>
+                <a:lnTo>
+                  <a:pt x="120000" y="120000"/>
+                </a:lnTo>
+                <a:lnTo>
+                  <a:pt x="0" y="120000"/>
+                </a:lnTo>
+                <a:close/>
+              </a:path>
+            </a:pathLst>
+          </a:custGeom>
+        </p:spPr>
+      </p:sp>
+      <p:sp>
+        <p:nvSpPr>
+          <p:cNvPr id="89" name="Google Shape;89;gbe5a68a0ff_0_41:notes"/>
+          <p:cNvSpPr txBox="1"/>
+          <p:nvPr>
+            <p:ph idx="1" type="body"/>
+          </p:nvPr>
+        </p:nvSpPr>
+        <p:spPr>
+          <a:xfrm>
+            <a:off x="685800" y="4343400"/>
+            <a:ext cx="5486400" cy="4114800"/>
+          </a:xfrm>
+          <a:prstGeom prst="rect">
+            <a:avLst/>
+          </a:prstGeom>
+        </p:spPr>
+        <p:txBody>
+          <a:bodyPr anchorCtr="0" anchor="t" bIns="91425" lIns="91425" spcFirstLastPara="1" rIns="91425" wrap="square" tIns="91425">
+            <a:noAutofit/>
+          </a:bodyPr>
+          <a:lstStyle/>
+          <a:p>
+            <a:pPr indent="0" lvl="0" marL="0" rtl="0" algn="l">
+              <a:spcBef>
+                <a:spcPts val="0"/>
+              </a:spcBef>
+              <a:spcAft>
+                <a:spcPts val="0"/>
+              </a:spcAft>
+              <a:buNone/>
+            </a:pPr>
+            <a:r>
+              <a:t/>
+            </a:r>
+            <a:endParaRPr/>
+          </a:p>
+        </p:txBody>
+      </p:sp>
+    </p:spTree>
+  </p:cSld>
+  <p:clrMapOvr>
+    <a:masterClrMapping/>
+  </p:clrMapOvr>
+</p:notes>
+</file>
+
+<file path=ppt/notesSlides/notesSlide8.xml><?xml version="1.0" encoding="utf-8"?>
+<p:notes xmlns:a="http://schemas.openxmlformats.org/drawingml/2006/main" xmlns:r="http://schemas.openxmlformats.org/officeDocument/2006/relationships" xmlns:mc="http://schemas.openxmlformats.org/markup-compatibility/2006" xmlns:mv="urn:schemas-microsoft-com:mac:vml" xmlns:p="http://schemas.openxmlformats.org/presentationml/2006/main" xmlns:c="http://schemas.openxmlformats.org/drawingml/2006/chart" xmlns:dgm="http://schemas.openxmlformats.org/drawingml/2006/diagram" xmlns:o="urn:schemas-microsoft-com:office:office" xmlns:v="urn:schemas-microsoft-com:vml" xmlns:pvml="urn:schemas-microsoft-com:office:powerpoint" xmlns:com="http://schemas.openxmlformats.org/drawingml/2006/compatibility" xmlns:p14="http://schemas.microsoft.com/office/powerpoint/2010/main" xmlns:p15="http://schemas.microsoft.com/office/powerpoint/2012/main" xmlns:ahyp="http://schemas.microsoft.com/office/drawing/2018/hyperlinkcolor" showMasterPhAnim="0" showMasterSp="0">
+  <p:cSld>
+    <p:spTree>
+      <p:nvGrpSpPr>
+        <p:cNvPr id="93" name="Shape 93"/>
+        <p:cNvGrpSpPr/>
+        <p:nvPr/>
+      </p:nvGrpSpPr>
+      <p:grpSpPr>
+        <a:xfrm>
+          <a:off x="0" y="0"/>
+          <a:ext cx="0" cy="0"/>
+          <a:chOff x="0" y="0"/>
+          <a:chExt cx="0" cy="0"/>
+        </a:xfrm>
+      </p:grpSpPr>
+      <p:sp>
+        <p:nvSpPr>
+          <p:cNvPr id="94" name="Google Shape;94;gbe5a68a0ff_0_47:notes"/>
+          <p:cNvSpPr/>
+          <p:nvPr>
+            <p:ph idx="2" type="sldImg"/>
+          </p:nvPr>
+        </p:nvSpPr>
+        <p:spPr>
+          <a:xfrm>
+            <a:off x="381300" y="685800"/>
+            <a:ext cx="6096000" cy="3429000"/>
+          </a:xfrm>
+          <a:custGeom>
+            <a:rect b="b" l="l" r="r" t="t"/>
+            <a:pathLst>
+              <a:path extrusionOk="0" h="120000" w="120000">
+                <a:moveTo>
+                  <a:pt x="0" y="0"/>
+                </a:moveTo>
+                <a:lnTo>
+                  <a:pt x="120000" y="0"/>
+                </a:lnTo>
+                <a:lnTo>
+                  <a:pt x="120000" y="120000"/>
+                </a:lnTo>
+                <a:lnTo>
+                  <a:pt x="0" y="120000"/>
+                </a:lnTo>
+                <a:close/>
+              </a:path>
+            </a:pathLst>
+          </a:custGeom>
+        </p:spPr>
+      </p:sp>
+      <p:sp>
+        <p:nvSpPr>
+          <p:cNvPr id="95" name="Google Shape;95;gbe5a68a0ff_0_47:notes"/>
+          <p:cNvSpPr txBox="1"/>
+          <p:nvPr>
+            <p:ph idx="1" type="body"/>
+          </p:nvPr>
+        </p:nvSpPr>
+        <p:spPr>
+          <a:xfrm>
+            <a:off x="685800" y="4343400"/>
+            <a:ext cx="5486400" cy="4114800"/>
+          </a:xfrm>
+          <a:prstGeom prst="rect">
+            <a:avLst/>
+          </a:prstGeom>
+        </p:spPr>
+        <p:txBody>
+          <a:bodyPr anchorCtr="0" anchor="t" bIns="91425" lIns="91425" spcFirstLastPara="1" rIns="91425" wrap="square" tIns="91425">
+            <a:noAutofit/>
+          </a:bodyPr>
+          <a:lstStyle/>
+          <a:p>
+            <a:pPr indent="0" lvl="0" marL="0" rtl="0" algn="l">
+              <a:spcBef>
+                <a:spcPts val="0"/>
+              </a:spcBef>
+              <a:spcAft>
+                <a:spcPts val="0"/>
+              </a:spcAft>
+              <a:buNone/>
+            </a:pPr>
+            <a:r>
+              <a:t/>
+            </a:r>
+            <a:endParaRPr/>
+          </a:p>
+        </p:txBody>
+      </p:sp>
+    </p:spTree>
+  </p:cSld>
+  <p:clrMapOvr>
+    <a:masterClrMapping/>
+  </p:clrMapOvr>
+</p:notes>
+</file>
+
+<file path=ppt/notesSlides/notesSlide9.xml><?xml version="1.0" encoding="utf-8"?>
+<p:notes xmlns:a="http://schemas.openxmlformats.org/drawingml/2006/main" xmlns:r="http://schemas.openxmlformats.org/officeDocument/2006/relationships" xmlns:mc="http://schemas.openxmlformats.org/markup-compatibility/2006" xmlns:mv="urn:schemas-microsoft-com:mac:vml" xmlns:p="http://schemas.openxmlformats.org/presentationml/2006/main" xmlns:c="http://schemas.openxmlformats.org/drawingml/2006/chart" xmlns:dgm="http://schemas.openxmlformats.org/drawingml/2006/diagram" xmlns:o="urn:schemas-microsoft-com:office:office" xmlns:v="urn:schemas-microsoft-com:vml" xmlns:pvml="urn:schemas-microsoft-com:office:powerpoint" xmlns:com="http://schemas.openxmlformats.org/drawingml/2006/compatibility" xmlns:p14="http://schemas.microsoft.com/office/powerpoint/2010/main" xmlns:p15="http://schemas.microsoft.com/office/powerpoint/2012/main" xmlns:ahyp="http://schemas.microsoft.com/office/drawing/2018/hyperlinkcolor" showMasterPhAnim="0" showMasterSp="0">
+  <p:cSld>
+    <p:spTree>
+      <p:nvGrpSpPr>
+        <p:cNvPr id="99" name="Shape 99"/>
+        <p:cNvGrpSpPr/>
+        <p:nvPr/>
+      </p:nvGrpSpPr>
+      <p:grpSpPr>
+        <a:xfrm>
+          <a:off x="0" y="0"/>
+          <a:ext cx="0" cy="0"/>
+          <a:chOff x="0" y="0"/>
+          <a:chExt cx="0" cy="0"/>
+        </a:xfrm>
+      </p:grpSpPr>
+      <p:sp>
+        <p:nvSpPr>
+          <p:cNvPr id="100" name="Google Shape;100;gbe5a68a0ff_0_52:notes"/>
+          <p:cNvSpPr/>
+          <p:nvPr>
+            <p:ph idx="2" type="sldImg"/>
+          </p:nvPr>
+        </p:nvSpPr>
+        <p:spPr>
+          <a:xfrm>
+            <a:off x="381300" y="685800"/>
+            <a:ext cx="6096000" cy="3429000"/>
+          </a:xfrm>
+          <a:custGeom>
+            <a:rect b="b" l="l" r="r" t="t"/>
+            <a:pathLst>
+              <a:path extrusionOk="0" h="120000" w="120000">
+                <a:moveTo>
+                  <a:pt x="0" y="0"/>
+                </a:moveTo>
+                <a:lnTo>
+                  <a:pt x="120000" y="0"/>
+                </a:lnTo>
+                <a:lnTo>
+                  <a:pt x="120000" y="120000"/>
+                </a:lnTo>
+                <a:lnTo>
+                  <a:pt x="0" y="120000"/>
+                </a:lnTo>
+                <a:close/>
+              </a:path>
+            </a:pathLst>
+          </a:custGeom>
+        </p:spPr>
+      </p:sp>
+      <p:sp>
+        <p:nvSpPr>
+          <p:cNvPr id="101" name="Google Shape;101;gbe5a68a0ff_0_52:notes"/>
           <p:cNvSpPr txBox="1"/>
           <p:nvPr>
             <p:ph idx="1" type="body"/>
@@ -6027,6 +6627,622 @@
 </p:sld>
 </file>
 
+<file path=ppt/slides/slide10.xml><?xml version="1.0" encoding="utf-8"?>
+<p:sld xmlns:a="http://schemas.openxmlformats.org/drawingml/2006/main" xmlns:r="http://schemas.openxmlformats.org/officeDocument/2006/relationships" xmlns:mc="http://schemas.openxmlformats.org/markup-compatibility/2006" xmlns:mv="urn:schemas-microsoft-com:mac:vml" xmlns:p="http://schemas.openxmlformats.org/presentationml/2006/main" xmlns:c="http://schemas.openxmlformats.org/drawingml/2006/chart" xmlns:dgm="http://schemas.openxmlformats.org/drawingml/2006/diagram" xmlns:o="urn:schemas-microsoft-com:office:office" xmlns:v="urn:schemas-microsoft-com:vml" xmlns:pvml="urn:schemas-microsoft-com:office:powerpoint" xmlns:com="http://schemas.openxmlformats.org/drawingml/2006/compatibility" xmlns:p14="http://schemas.microsoft.com/office/powerpoint/2010/main" xmlns:p15="http://schemas.microsoft.com/office/powerpoint/2012/main" xmlns:ahyp="http://schemas.microsoft.com/office/drawing/2018/hyperlinkcolor">
+  <p:cSld>
+    <p:spTree>
+      <p:nvGrpSpPr>
+        <p:cNvPr id="108" name="Shape 108"/>
+        <p:cNvGrpSpPr/>
+        <p:nvPr/>
+      </p:nvGrpSpPr>
+      <p:grpSpPr>
+        <a:xfrm>
+          <a:off x="0" y="0"/>
+          <a:ext cx="0" cy="0"/>
+          <a:chOff x="0" y="0"/>
+          <a:chExt cx="0" cy="0"/>
+        </a:xfrm>
+      </p:grpSpPr>
+      <p:sp>
+        <p:nvSpPr>
+          <p:cNvPr id="109" name="Google Shape;109;p22"/>
+          <p:cNvSpPr txBox="1"/>
+          <p:nvPr>
+            <p:ph type="title"/>
+          </p:nvPr>
+        </p:nvSpPr>
+        <p:spPr>
+          <a:xfrm>
+            <a:off x="311700" y="445025"/>
+            <a:ext cx="8520600" cy="572700"/>
+          </a:xfrm>
+          <a:prstGeom prst="rect">
+            <a:avLst/>
+          </a:prstGeom>
+        </p:spPr>
+        <p:txBody>
+          <a:bodyPr anchorCtr="0" anchor="t" bIns="91425" lIns="91425" spcFirstLastPara="1" rIns="91425" wrap="square" tIns="91425">
+            <a:normAutofit fontScale="90000"/>
+          </a:bodyPr>
+          <a:lstStyle/>
+          <a:p>
+            <a:pPr indent="0" lvl="0" marL="0" rtl="0" algn="l">
+              <a:spcBef>
+                <a:spcPts val="0"/>
+              </a:spcBef>
+              <a:spcAft>
+                <a:spcPts val="0"/>
+              </a:spcAft>
+              <a:buClr>
+                <a:schemeClr val="dk1"/>
+              </a:buClr>
+              <a:buSzPct val="39285"/>
+              <a:buFont typeface="Arial"/>
+              <a:buNone/>
+            </a:pPr>
+            <a:r>
+              <a:rPr lang="en-GB"/>
+              <a:t>Example 3: Send email when device is shaken</a:t>
+            </a:r>
+            <a:endParaRPr/>
+          </a:p>
+          <a:p>
+            <a:pPr indent="0" lvl="0" marL="0" rtl="0" algn="l">
+              <a:spcBef>
+                <a:spcPts val="0"/>
+              </a:spcBef>
+              <a:spcAft>
+                <a:spcPts val="0"/>
+              </a:spcAft>
+              <a:buNone/>
+            </a:pPr>
+            <a:r>
+              <a:t/>
+            </a:r>
+            <a:endParaRPr/>
+          </a:p>
+        </p:txBody>
+      </p:sp>
+      <p:sp>
+        <p:nvSpPr>
+          <p:cNvPr id="110" name="Google Shape;110;p22"/>
+          <p:cNvSpPr txBox="1"/>
+          <p:nvPr>
+            <p:ph idx="1" type="body"/>
+          </p:nvPr>
+        </p:nvSpPr>
+        <p:spPr>
+          <a:xfrm>
+            <a:off x="311700" y="1152475"/>
+            <a:ext cx="8520600" cy="3416400"/>
+          </a:xfrm>
+          <a:prstGeom prst="rect">
+            <a:avLst/>
+          </a:prstGeom>
+        </p:spPr>
+        <p:txBody>
+          <a:bodyPr anchorCtr="0" anchor="t" bIns="91425" lIns="91425" spcFirstLastPara="1" rIns="91425" wrap="square" tIns="91425">
+            <a:normAutofit/>
+          </a:bodyPr>
+          <a:lstStyle/>
+          <a:p>
+            <a:pPr indent="0" lvl="0" marL="0" rtl="0" algn="l">
+              <a:spcBef>
+                <a:spcPts val="0"/>
+              </a:spcBef>
+              <a:spcAft>
+                <a:spcPts val="1200"/>
+              </a:spcAft>
+              <a:buNone/>
+            </a:pPr>
+            <a:r>
+              <a:rPr lang="en-GB">
+                <a:solidFill>
+                  <a:srgbClr val="000000"/>
+                </a:solidFill>
+              </a:rPr>
+              <a:t>Code on device </a:t>
+            </a:r>
+            <a:endParaRPr>
+              <a:solidFill>
+                <a:srgbClr val="000000"/>
+              </a:solidFill>
+            </a:endParaRPr>
+          </a:p>
+        </p:txBody>
+      </p:sp>
+      <p:pic>
+        <p:nvPicPr>
+          <p:cNvPr id="111" name="Google Shape;111;p22"/>
+          <p:cNvPicPr preferRelativeResize="0"/>
+          <p:nvPr/>
+        </p:nvPicPr>
+        <p:blipFill>
+          <a:blip r:embed="rId3">
+            <a:alphaModFix/>
+          </a:blip>
+          <a:stretch>
+            <a:fillRect/>
+          </a:stretch>
+        </p:blipFill>
+        <p:spPr>
+          <a:xfrm>
+            <a:off x="1246188" y="1689638"/>
+            <a:ext cx="7477125" cy="2695575"/>
+          </a:xfrm>
+          <a:prstGeom prst="rect">
+            <a:avLst/>
+          </a:prstGeom>
+          <a:noFill/>
+          <a:ln>
+            <a:noFill/>
+          </a:ln>
+        </p:spPr>
+      </p:pic>
+    </p:spTree>
+  </p:cSld>
+  <p:clrMapOvr>
+    <a:masterClrMapping/>
+  </p:clrMapOvr>
+</p:sld>
+</file>
+
+<file path=ppt/slides/slide11.xml><?xml version="1.0" encoding="utf-8"?>
+<p:sld xmlns:a="http://schemas.openxmlformats.org/drawingml/2006/main" xmlns:r="http://schemas.openxmlformats.org/officeDocument/2006/relationships" xmlns:mc="http://schemas.openxmlformats.org/markup-compatibility/2006" xmlns:mv="urn:schemas-microsoft-com:mac:vml" xmlns:p="http://schemas.openxmlformats.org/presentationml/2006/main" xmlns:c="http://schemas.openxmlformats.org/drawingml/2006/chart" xmlns:dgm="http://schemas.openxmlformats.org/drawingml/2006/diagram" xmlns:o="urn:schemas-microsoft-com:office:office" xmlns:v="urn:schemas-microsoft-com:vml" xmlns:pvml="urn:schemas-microsoft-com:office:powerpoint" xmlns:com="http://schemas.openxmlformats.org/drawingml/2006/compatibility" xmlns:p14="http://schemas.microsoft.com/office/powerpoint/2010/main" xmlns:p15="http://schemas.microsoft.com/office/powerpoint/2012/main" xmlns:ahyp="http://schemas.microsoft.com/office/drawing/2018/hyperlinkcolor">
+  <p:cSld>
+    <p:spTree>
+      <p:nvGrpSpPr>
+        <p:cNvPr id="115" name="Shape 115"/>
+        <p:cNvGrpSpPr/>
+        <p:nvPr/>
+      </p:nvGrpSpPr>
+      <p:grpSpPr>
+        <a:xfrm>
+          <a:off x="0" y="0"/>
+          <a:ext cx="0" cy="0"/>
+          <a:chOff x="0" y="0"/>
+          <a:chExt cx="0" cy="0"/>
+        </a:xfrm>
+      </p:grpSpPr>
+      <p:sp>
+        <p:nvSpPr>
+          <p:cNvPr id="116" name="Google Shape;116;p23"/>
+          <p:cNvSpPr txBox="1"/>
+          <p:nvPr>
+            <p:ph type="title"/>
+          </p:nvPr>
+        </p:nvSpPr>
+        <p:spPr>
+          <a:xfrm>
+            <a:off x="311700" y="-52400"/>
+            <a:ext cx="4958700" cy="572700"/>
+          </a:xfrm>
+          <a:prstGeom prst="rect">
+            <a:avLst/>
+          </a:prstGeom>
+        </p:spPr>
+        <p:txBody>
+          <a:bodyPr anchorCtr="0" anchor="t" bIns="91425" lIns="91425" spcFirstLastPara="1" rIns="91425" wrap="square" tIns="91425">
+            <a:normAutofit fontScale="90000"/>
+          </a:bodyPr>
+          <a:lstStyle/>
+          <a:p>
+            <a:pPr indent="0" lvl="0" marL="0" rtl="0" algn="l">
+              <a:spcBef>
+                <a:spcPts val="0"/>
+              </a:spcBef>
+              <a:spcAft>
+                <a:spcPts val="0"/>
+              </a:spcAft>
+              <a:buClr>
+                <a:schemeClr val="dk1"/>
+              </a:buClr>
+              <a:buSzPct val="39285"/>
+              <a:buFont typeface="Arial"/>
+              <a:buNone/>
+            </a:pPr>
+            <a:r>
+              <a:rPr lang="en-GB"/>
+              <a:t>Example 3: Send email when device is shaken</a:t>
+            </a:r>
+            <a:endParaRPr/>
+          </a:p>
+          <a:p>
+            <a:pPr indent="0" lvl="0" marL="0" rtl="0" algn="l">
+              <a:spcBef>
+                <a:spcPts val="0"/>
+              </a:spcBef>
+              <a:spcAft>
+                <a:spcPts val="0"/>
+              </a:spcAft>
+              <a:buNone/>
+            </a:pPr>
+            <a:r>
+              <a:t/>
+            </a:r>
+            <a:endParaRPr/>
+          </a:p>
+        </p:txBody>
+      </p:sp>
+      <p:sp>
+        <p:nvSpPr>
+          <p:cNvPr id="117" name="Google Shape;117;p23"/>
+          <p:cNvSpPr txBox="1"/>
+          <p:nvPr>
+            <p:ph idx="1" type="body"/>
+          </p:nvPr>
+        </p:nvSpPr>
+        <p:spPr>
+          <a:xfrm>
+            <a:off x="311700" y="1185325"/>
+            <a:ext cx="4842300" cy="3383400"/>
+          </a:xfrm>
+          <a:prstGeom prst="rect">
+            <a:avLst/>
+          </a:prstGeom>
+        </p:spPr>
+        <p:txBody>
+          <a:bodyPr anchorCtr="0" anchor="t" bIns="91425" lIns="91425" spcFirstLastPara="1" rIns="91425" wrap="square" tIns="91425">
+            <a:normAutofit/>
+          </a:bodyPr>
+          <a:lstStyle/>
+          <a:p>
+            <a:pPr indent="0" lvl="0" marL="0" rtl="0" algn="l">
+              <a:spcBef>
+                <a:spcPts val="0"/>
+              </a:spcBef>
+              <a:spcAft>
+                <a:spcPts val="0"/>
+              </a:spcAft>
+              <a:buNone/>
+            </a:pPr>
+            <a:r>
+              <a:rPr lang="en-GB">
+                <a:solidFill>
+                  <a:srgbClr val="000000"/>
+                </a:solidFill>
+              </a:rPr>
+              <a:t>Code running on computer -&gt; </a:t>
+            </a:r>
+            <a:endParaRPr>
+              <a:solidFill>
+                <a:srgbClr val="000000"/>
+              </a:solidFill>
+            </a:endParaRPr>
+          </a:p>
+          <a:p>
+            <a:pPr indent="0" lvl="0" marL="0" rtl="0" algn="l">
+              <a:spcBef>
+                <a:spcPts val="1200"/>
+              </a:spcBef>
+              <a:spcAft>
+                <a:spcPts val="1200"/>
+              </a:spcAft>
+              <a:buNone/>
+            </a:pPr>
+            <a:r>
+              <a:t/>
+            </a:r>
+            <a:endParaRPr/>
+          </a:p>
+        </p:txBody>
+      </p:sp>
+      <p:pic>
+        <p:nvPicPr>
+          <p:cNvPr id="118" name="Google Shape;118;p23"/>
+          <p:cNvPicPr preferRelativeResize="0"/>
+          <p:nvPr/>
+        </p:nvPicPr>
+        <p:blipFill>
+          <a:blip r:embed="rId3">
+            <a:alphaModFix/>
+          </a:blip>
+          <a:stretch>
+            <a:fillRect/>
+          </a:stretch>
+        </p:blipFill>
+        <p:spPr>
+          <a:xfrm>
+            <a:off x="5321975" y="61925"/>
+            <a:ext cx="3697049" cy="4878899"/>
+          </a:xfrm>
+          <a:prstGeom prst="rect">
+            <a:avLst/>
+          </a:prstGeom>
+          <a:noFill/>
+          <a:ln>
+            <a:noFill/>
+          </a:ln>
+        </p:spPr>
+      </p:pic>
+    </p:spTree>
+  </p:cSld>
+  <p:clrMapOvr>
+    <a:masterClrMapping/>
+  </p:clrMapOvr>
+</p:sld>
+</file>
+
+<file path=ppt/slides/slide12.xml><?xml version="1.0" encoding="utf-8"?>
+<p:sld xmlns:a="http://schemas.openxmlformats.org/drawingml/2006/main" xmlns:r="http://schemas.openxmlformats.org/officeDocument/2006/relationships" xmlns:mc="http://schemas.openxmlformats.org/markup-compatibility/2006" xmlns:mv="urn:schemas-microsoft-com:mac:vml" xmlns:p="http://schemas.openxmlformats.org/presentationml/2006/main" xmlns:c="http://schemas.openxmlformats.org/drawingml/2006/chart" xmlns:dgm="http://schemas.openxmlformats.org/drawingml/2006/diagram" xmlns:o="urn:schemas-microsoft-com:office:office" xmlns:v="urn:schemas-microsoft-com:vml" xmlns:pvml="urn:schemas-microsoft-com:office:powerpoint" xmlns:com="http://schemas.openxmlformats.org/drawingml/2006/compatibility" xmlns:p14="http://schemas.microsoft.com/office/powerpoint/2010/main" xmlns:p15="http://schemas.microsoft.com/office/powerpoint/2012/main" xmlns:ahyp="http://schemas.microsoft.com/office/drawing/2018/hyperlinkcolor">
+  <p:cSld>
+    <p:spTree>
+      <p:nvGrpSpPr>
+        <p:cNvPr id="122" name="Shape 122"/>
+        <p:cNvGrpSpPr/>
+        <p:nvPr/>
+      </p:nvGrpSpPr>
+      <p:grpSpPr>
+        <a:xfrm>
+          <a:off x="0" y="0"/>
+          <a:ext cx="0" cy="0"/>
+          <a:chOff x="0" y="0"/>
+          <a:chExt cx="0" cy="0"/>
+        </a:xfrm>
+      </p:grpSpPr>
+      <p:sp>
+        <p:nvSpPr>
+          <p:cNvPr id="123" name="Google Shape;123;p24"/>
+          <p:cNvSpPr txBox="1"/>
+          <p:nvPr>
+            <p:ph type="title"/>
+          </p:nvPr>
+        </p:nvSpPr>
+        <p:spPr>
+          <a:xfrm>
+            <a:off x="311700" y="445025"/>
+            <a:ext cx="8520600" cy="572700"/>
+          </a:xfrm>
+          <a:prstGeom prst="rect">
+            <a:avLst/>
+          </a:prstGeom>
+        </p:spPr>
+        <p:txBody>
+          <a:bodyPr anchorCtr="0" anchor="t" bIns="91425" lIns="91425" spcFirstLastPara="1" rIns="91425" wrap="square" tIns="91425">
+            <a:normAutofit fontScale="90000"/>
+          </a:bodyPr>
+          <a:lstStyle/>
+          <a:p>
+            <a:pPr indent="0" lvl="0" marL="0" rtl="0" algn="l">
+              <a:spcBef>
+                <a:spcPts val="0"/>
+              </a:spcBef>
+              <a:spcAft>
+                <a:spcPts val="0"/>
+              </a:spcAft>
+              <a:buNone/>
+            </a:pPr>
+            <a:r>
+              <a:rPr lang="en-GB"/>
+              <a:t>Useful Links and Resources</a:t>
+            </a:r>
+            <a:endParaRPr/>
+          </a:p>
+        </p:txBody>
+      </p:sp>
+      <p:sp>
+        <p:nvSpPr>
+          <p:cNvPr id="124" name="Google Shape;124;p24"/>
+          <p:cNvSpPr txBox="1"/>
+          <p:nvPr>
+            <p:ph idx="1" type="body"/>
+          </p:nvPr>
+        </p:nvSpPr>
+        <p:spPr>
+          <a:xfrm>
+            <a:off x="311700" y="1152475"/>
+            <a:ext cx="8520600" cy="3416400"/>
+          </a:xfrm>
+          <a:prstGeom prst="rect">
+            <a:avLst/>
+          </a:prstGeom>
+        </p:spPr>
+        <p:txBody>
+          <a:bodyPr anchorCtr="0" anchor="t" bIns="91425" lIns="91425" spcFirstLastPara="1" rIns="91425" wrap="square" tIns="91425">
+            <a:normAutofit/>
+          </a:bodyPr>
+          <a:lstStyle/>
+          <a:p>
+            <a:pPr indent="-342900" lvl="0" marL="457200" rtl="0" algn="l">
+              <a:spcBef>
+                <a:spcPts val="0"/>
+              </a:spcBef>
+              <a:spcAft>
+                <a:spcPts val="0"/>
+              </a:spcAft>
+              <a:buSzPts val="1800"/>
+              <a:buChar char="-"/>
+            </a:pPr>
+            <a:r>
+              <a:rPr lang="en-GB" u="sng">
+                <a:solidFill>
+                  <a:schemeClr val="hlink"/>
+                </a:solidFill>
+                <a:hlinkClick r:id="rId3"/>
+              </a:rPr>
+              <a:t>https://github.com/MissMathmagician0/circuitpython-intro</a:t>
+            </a:r>
+            <a:r>
+              <a:rPr lang="en-GB"/>
+              <a:t> -</a:t>
+            </a:r>
+            <a:r>
+              <a:rPr lang="en-GB">
+                <a:solidFill>
+                  <a:srgbClr val="000000"/>
+                </a:solidFill>
+              </a:rPr>
+              <a:t>&gt; slides and all code examples</a:t>
+            </a:r>
+            <a:endParaRPr>
+              <a:solidFill>
+                <a:srgbClr val="000000"/>
+              </a:solidFill>
+            </a:endParaRPr>
+          </a:p>
+          <a:p>
+            <a:pPr indent="-342900" lvl="0" marL="457200" rtl="0" algn="l">
+              <a:spcBef>
+                <a:spcPts val="0"/>
+              </a:spcBef>
+              <a:spcAft>
+                <a:spcPts val="0"/>
+              </a:spcAft>
+              <a:buSzPts val="1800"/>
+              <a:buChar char="-"/>
+            </a:pPr>
+            <a:r>
+              <a:rPr lang="en-GB" u="sng">
+                <a:solidFill>
+                  <a:schemeClr val="hlink"/>
+                </a:solidFill>
+                <a:hlinkClick r:id="rId4"/>
+              </a:rPr>
+              <a:t>https://circuitpython.org/</a:t>
+            </a:r>
+            <a:r>
+              <a:rPr lang="en-GB"/>
+              <a:t> </a:t>
+            </a:r>
+            <a:r>
+              <a:rPr lang="en-GB">
+                <a:solidFill>
+                  <a:srgbClr val="000000"/>
+                </a:solidFill>
+              </a:rPr>
+              <a:t>-&gt; official homepage of the project</a:t>
+            </a:r>
+            <a:endParaRPr>
+              <a:solidFill>
+                <a:srgbClr val="000000"/>
+              </a:solidFill>
+            </a:endParaRPr>
+          </a:p>
+          <a:p>
+            <a:pPr indent="-342900" lvl="0" marL="457200" rtl="0" algn="l">
+              <a:spcBef>
+                <a:spcPts val="0"/>
+              </a:spcBef>
+              <a:spcAft>
+                <a:spcPts val="0"/>
+              </a:spcAft>
+              <a:buSzPts val="1800"/>
+              <a:buChar char="-"/>
+            </a:pPr>
+            <a:r>
+              <a:rPr lang="en-GB" u="sng">
+                <a:solidFill>
+                  <a:schemeClr val="hlink"/>
+                </a:solidFill>
+                <a:hlinkClick r:id="rId5"/>
+              </a:rPr>
+              <a:t>https://github.com/Adafruit/CircuitPython</a:t>
+            </a:r>
+            <a:r>
+              <a:rPr lang="en-GB"/>
+              <a:t> </a:t>
+            </a:r>
+            <a:r>
+              <a:rPr lang="en-GB">
+                <a:solidFill>
+                  <a:srgbClr val="000000"/>
+                </a:solidFill>
+              </a:rPr>
+              <a:t>-&gt; github repo</a:t>
+            </a:r>
+            <a:endParaRPr>
+              <a:solidFill>
+                <a:srgbClr val="000000"/>
+              </a:solidFill>
+            </a:endParaRPr>
+          </a:p>
+          <a:p>
+            <a:pPr indent="-342900" lvl="0" marL="457200" rtl="0" algn="l">
+              <a:spcBef>
+                <a:spcPts val="0"/>
+              </a:spcBef>
+              <a:spcAft>
+                <a:spcPts val="0"/>
+              </a:spcAft>
+              <a:buSzPts val="1800"/>
+              <a:buChar char="-"/>
+            </a:pPr>
+            <a:r>
+              <a:rPr lang="en-GB" u="sng">
+                <a:solidFill>
+                  <a:schemeClr val="hlink"/>
+                </a:solidFill>
+                <a:hlinkClick r:id="rId6"/>
+              </a:rPr>
+              <a:t>https://learn.adafruit.com/welcome-to-circuitpython/what-is-circuitpython</a:t>
+            </a:r>
+            <a:r>
+              <a:rPr lang="en-GB"/>
+              <a:t> -</a:t>
+            </a:r>
+            <a:r>
+              <a:rPr lang="en-GB">
+                <a:solidFill>
+                  <a:srgbClr val="000000"/>
+                </a:solidFill>
+              </a:rPr>
+              <a:t>&gt; nice beginner guide with instructions and examples</a:t>
+            </a:r>
+            <a:endParaRPr>
+              <a:solidFill>
+                <a:srgbClr val="000000"/>
+              </a:solidFill>
+            </a:endParaRPr>
+          </a:p>
+          <a:p>
+            <a:pPr indent="-342900" lvl="0" marL="457200" rtl="0" algn="l">
+              <a:spcBef>
+                <a:spcPts val="0"/>
+              </a:spcBef>
+              <a:spcAft>
+                <a:spcPts val="0"/>
+              </a:spcAft>
+              <a:buSzPts val="1800"/>
+              <a:buChar char="-"/>
+            </a:pPr>
+            <a:r>
+              <a:rPr lang="en-GB" u="sng">
+                <a:solidFill>
+                  <a:schemeClr val="hlink"/>
+                </a:solidFill>
+                <a:hlinkClick r:id="rId7"/>
+              </a:rPr>
+              <a:t>https://www.adafruit.com/product/4333</a:t>
+            </a:r>
+            <a:r>
+              <a:rPr lang="en-GB"/>
+              <a:t> </a:t>
+            </a:r>
+            <a:r>
+              <a:rPr lang="en-GB">
+                <a:solidFill>
+                  <a:srgbClr val="000000"/>
+                </a:solidFill>
+              </a:rPr>
+              <a:t>-&gt; circuit playground bluefruit</a:t>
+            </a:r>
+            <a:endParaRPr>
+              <a:solidFill>
+                <a:srgbClr val="000000"/>
+              </a:solidFill>
+            </a:endParaRPr>
+          </a:p>
+        </p:txBody>
+      </p:sp>
+    </p:spTree>
+  </p:cSld>
+  <p:clrMapOvr>
+    <a:masterClrMapping/>
+  </p:clrMapOvr>
+</p:sld>
+</file>
+
 <file path=ppt/slides/slide2.xml><?xml version="1.0" encoding="utf-8"?>
 <p:sld xmlns:a="http://schemas.openxmlformats.org/drawingml/2006/main" xmlns:r="http://schemas.openxmlformats.org/officeDocument/2006/relationships" xmlns:mc="http://schemas.openxmlformats.org/markup-compatibility/2006" xmlns:mv="urn:schemas-microsoft-com:mac:vml" xmlns:p="http://schemas.openxmlformats.org/presentationml/2006/main" xmlns:c="http://schemas.openxmlformats.org/drawingml/2006/chart" xmlns:dgm="http://schemas.openxmlformats.org/drawingml/2006/diagram" xmlns:o="urn:schemas-microsoft-com:office:office" xmlns:v="urn:schemas-microsoft-com:vml" xmlns:pvml="urn:schemas-microsoft-com:office:powerpoint" xmlns:com="http://schemas.openxmlformats.org/drawingml/2006/compatibility" xmlns:p14="http://schemas.microsoft.com/office/powerpoint/2010/main" xmlns:p15="http://schemas.microsoft.com/office/powerpoint/2012/main" xmlns:ahyp="http://schemas.microsoft.com/office/drawing/2018/hyperlinkcolor">
   <p:cSld>
@@ -6819,8 +8035,8 @@
         </p:blipFill>
         <p:spPr>
           <a:xfrm>
-            <a:off x="1852075" y="137025"/>
-            <a:ext cx="4417751" cy="5006474"/>
+            <a:off x="2692400" y="252540"/>
+            <a:ext cx="4049199" cy="4638426"/>
           </a:xfrm>
           <a:prstGeom prst="rect">
             <a:avLst/>
@@ -6890,7 +8106,7 @@
             </a:pPr>
             <a:r>
               <a:rPr lang="en-GB"/>
-              <a:t>Useful Links and Resources</a:t>
+              <a:t>Example 2: connect via app and choose colour for pixels</a:t>
             </a:r>
             <a:endParaRPr/>
           </a:p>
@@ -6926,29 +8142,19 @@
               <a:spcAft>
                 <a:spcPts val="0"/>
               </a:spcAft>
+              <a:buClr>
+                <a:srgbClr val="000000"/>
+              </a:buClr>
               <a:buSzPts val="1800"/>
               <a:buChar char="-"/>
             </a:pPr>
-            <a:r>
-              <a:rPr lang="en-GB" u="sng">
-                <a:solidFill>
-                  <a:schemeClr val="hlink"/>
-                </a:solidFill>
-                <a:hlinkClick r:id="rId3"/>
-              </a:rPr>
-              <a:t>https://circuitpython.org/</a:t>
-            </a:r>
-            <a:r>
-              <a:rPr lang="en-GB"/>
-              <a:t> </a:t>
-            </a:r>
             <a:r>
               <a:rPr lang="en-GB">
                 <a:solidFill>
                   <a:srgbClr val="000000"/>
                 </a:solidFill>
               </a:rPr>
-              <a:t>-&gt; official homepage of the project</a:t>
+              <a:t>Would like to connect to the device with the phone via adafruit app</a:t>
             </a:r>
             <a:endParaRPr>
               <a:solidFill>
@@ -6964,29 +8170,62 @@
               <a:spcAft>
                 <a:spcPts val="0"/>
               </a:spcAft>
+              <a:buClr>
+                <a:srgbClr val="000000"/>
+              </a:buClr>
               <a:buSzPts val="1800"/>
               <a:buChar char="-"/>
             </a:pPr>
-            <a:r>
-              <a:rPr lang="en-GB" u="sng">
-                <a:solidFill>
-                  <a:schemeClr val="hlink"/>
-                </a:solidFill>
-                <a:hlinkClick r:id="rId4"/>
-              </a:rPr>
-              <a:t>https://github.com/Adafruit/CircuitPython</a:t>
-            </a:r>
-            <a:r>
-              <a:rPr lang="en-GB"/>
-              <a:t> </a:t>
-            </a:r>
             <a:r>
               <a:rPr lang="en-GB">
                 <a:solidFill>
                   <a:srgbClr val="000000"/>
                 </a:solidFill>
               </a:rPr>
-              <a:t>-&gt; github repo</a:t>
+              <a:t>Would like to control colour of leds via the app</a:t>
+            </a:r>
+            <a:endParaRPr>
+              <a:solidFill>
+                <a:srgbClr val="000000"/>
+              </a:solidFill>
+            </a:endParaRPr>
+          </a:p>
+          <a:p>
+            <a:pPr indent="0" lvl="0" marL="457200" rtl="0" algn="l">
+              <a:spcBef>
+                <a:spcPts val="1200"/>
+              </a:spcBef>
+              <a:spcAft>
+                <a:spcPts val="0"/>
+              </a:spcAft>
+              <a:buNone/>
+            </a:pPr>
+            <a:r>
+              <a:t/>
+            </a:r>
+            <a:endParaRPr>
+              <a:solidFill>
+                <a:srgbClr val="000000"/>
+              </a:solidFill>
+            </a:endParaRPr>
+          </a:p>
+          <a:p>
+            <a:pPr indent="0" lvl="0" marL="0" rtl="0" algn="l">
+              <a:spcBef>
+                <a:spcPts val="1200"/>
+              </a:spcBef>
+              <a:spcAft>
+                <a:spcPts val="0"/>
+              </a:spcAft>
+              <a:buNone/>
+            </a:pPr>
+            <a:r>
+              <a:rPr lang="en-GB">
+                <a:solidFill>
+                  <a:srgbClr val="000000"/>
+                </a:solidFill>
+              </a:rPr>
+              <a:t>Requirements:</a:t>
             </a:r>
             <a:endParaRPr>
               <a:solidFill>
@@ -6997,26 +8236,33 @@
           <a:p>
             <a:pPr indent="-342900" lvl="0" marL="457200" rtl="0" algn="l">
               <a:spcBef>
-                <a:spcPts val="0"/>
-              </a:spcBef>
-              <a:spcAft>
-                <a:spcPts val="0"/>
-              </a:spcAft>
+                <a:spcPts val="1200"/>
+              </a:spcBef>
+              <a:spcAft>
+                <a:spcPts val="0"/>
+              </a:spcAft>
+              <a:buClr>
+                <a:srgbClr val="000000"/>
+              </a:buClr>
               <a:buSzPts val="1800"/>
               <a:buChar char="-"/>
             </a:pPr>
+            <a:r>
+              <a:rPr lang="en-GB">
+                <a:solidFill>
+                  <a:srgbClr val="000000"/>
+                </a:solidFill>
+              </a:rPr>
+              <a:t>Adafruit app installed on phone (</a:t>
+            </a:r>
             <a:r>
               <a:rPr lang="en-GB" u="sng">
                 <a:solidFill>
                   <a:schemeClr val="hlink"/>
                 </a:solidFill>
-                <a:hlinkClick r:id="rId5"/>
+                <a:hlinkClick r:id="rId3"/>
               </a:rPr>
-              <a:t>https://learn.adafruit.com/welcome-to-circuitpython/what-is-circuitpython</a:t>
-            </a:r>
-            <a:r>
-              <a:rPr lang="en-GB"/>
-              <a:t> -</a:t>
+              <a:t>IOS</a:t>
             </a:r>
             <a:r>
               <a:rPr lang="en-GB">
@@ -7024,7 +8270,24 @@
                   <a:srgbClr val="000000"/>
                 </a:solidFill>
               </a:rPr>
-              <a:t>&gt; nice beginner guide with instructions and examples</a:t>
+              <a:t> or </a:t>
+            </a:r>
+            <a:r>
+              <a:rPr lang="en-GB" u="sng">
+                <a:solidFill>
+                  <a:schemeClr val="hlink"/>
+                </a:solidFill>
+                <a:hlinkClick r:id="rId4"/>
+              </a:rPr>
+              <a:t>Android</a:t>
+            </a:r>
+            <a:r>
+              <a:rPr lang="en-GB">
+                <a:solidFill>
+                  <a:srgbClr val="000000"/>
+                </a:solidFill>
+              </a:rPr>
+              <a:t>)</a:t>
             </a:r>
             <a:endParaRPr>
               <a:solidFill>
@@ -7040,21 +8303,28 @@
               <a:spcAft>
                 <a:spcPts val="0"/>
               </a:spcAft>
+              <a:buClr>
+                <a:srgbClr val="000000"/>
+              </a:buClr>
               <a:buSzPts val="1800"/>
               <a:buChar char="-"/>
             </a:pPr>
+            <a:r>
+              <a:rPr lang="en-GB">
+                <a:solidFill>
+                  <a:srgbClr val="000000"/>
+                </a:solidFill>
+              </a:rPr>
+              <a:t>Adafruit Buetooth libraries on device (available </a:t>
+            </a:r>
             <a:r>
               <a:rPr lang="en-GB" u="sng">
                 <a:solidFill>
                   <a:schemeClr val="hlink"/>
                 </a:solidFill>
-                <a:hlinkClick r:id="rId6"/>
+                <a:hlinkClick r:id="rId5"/>
               </a:rPr>
-              <a:t>https://www.adafruit.com/product/4333</a:t>
-            </a:r>
-            <a:r>
-              <a:rPr lang="en-GB"/>
-              <a:t> </a:t>
+              <a:t>here</a:t>
             </a:r>
             <a:r>
               <a:rPr lang="en-GB">
@@ -7062,7 +8332,595 @@
                   <a:srgbClr val="000000"/>
                 </a:solidFill>
               </a:rPr>
-              <a:t>-&gt; circuit playground bluefruit</a:t>
+              <a:t>)</a:t>
+            </a:r>
+            <a:endParaRPr>
+              <a:solidFill>
+                <a:srgbClr val="000000"/>
+              </a:solidFill>
+            </a:endParaRPr>
+          </a:p>
+          <a:p>
+            <a:pPr indent="0" lvl="0" marL="457200" rtl="0" algn="l">
+              <a:spcBef>
+                <a:spcPts val="1200"/>
+              </a:spcBef>
+              <a:spcAft>
+                <a:spcPts val="1200"/>
+              </a:spcAft>
+              <a:buNone/>
+            </a:pPr>
+            <a:r>
+              <a:t/>
+            </a:r>
+            <a:endParaRPr>
+              <a:solidFill>
+                <a:srgbClr val="000000"/>
+              </a:solidFill>
+            </a:endParaRPr>
+          </a:p>
+        </p:txBody>
+      </p:sp>
+    </p:spTree>
+  </p:cSld>
+  <p:clrMapOvr>
+    <a:masterClrMapping/>
+  </p:clrMapOvr>
+</p:sld>
+</file>
+
+<file path=ppt/slides/slide7.xml><?xml version="1.0" encoding="utf-8"?>
+<p:sld xmlns:a="http://schemas.openxmlformats.org/drawingml/2006/main" xmlns:r="http://schemas.openxmlformats.org/officeDocument/2006/relationships" xmlns:mc="http://schemas.openxmlformats.org/markup-compatibility/2006" xmlns:mv="urn:schemas-microsoft-com:mac:vml" xmlns:p="http://schemas.openxmlformats.org/presentationml/2006/main" xmlns:c="http://schemas.openxmlformats.org/drawingml/2006/chart" xmlns:dgm="http://schemas.openxmlformats.org/drawingml/2006/diagram" xmlns:o="urn:schemas-microsoft-com:office:office" xmlns:v="urn:schemas-microsoft-com:vml" xmlns:pvml="urn:schemas-microsoft-com:office:powerpoint" xmlns:com="http://schemas.openxmlformats.org/drawingml/2006/compatibility" xmlns:p14="http://schemas.microsoft.com/office/powerpoint/2010/main" xmlns:p15="http://schemas.microsoft.com/office/powerpoint/2012/main" xmlns:ahyp="http://schemas.microsoft.com/office/drawing/2018/hyperlinkcolor">
+  <p:cSld>
+    <p:spTree>
+      <p:nvGrpSpPr>
+        <p:cNvPr id="90" name="Shape 90"/>
+        <p:cNvGrpSpPr/>
+        <p:nvPr/>
+      </p:nvGrpSpPr>
+      <p:grpSpPr>
+        <a:xfrm>
+          <a:off x="0" y="0"/>
+          <a:ext cx="0" cy="0"/>
+          <a:chOff x="0" y="0"/>
+          <a:chExt cx="0" cy="0"/>
+        </a:xfrm>
+      </p:grpSpPr>
+      <p:sp>
+        <p:nvSpPr>
+          <p:cNvPr id="91" name="Google Shape;91;p19"/>
+          <p:cNvSpPr txBox="1"/>
+          <p:nvPr>
+            <p:ph type="title"/>
+          </p:nvPr>
+        </p:nvSpPr>
+        <p:spPr>
+          <a:xfrm>
+            <a:off x="311700" y="445025"/>
+            <a:ext cx="8520600" cy="572700"/>
+          </a:xfrm>
+          <a:prstGeom prst="rect">
+            <a:avLst/>
+          </a:prstGeom>
+        </p:spPr>
+        <p:txBody>
+          <a:bodyPr anchorCtr="0" anchor="t" bIns="91425" lIns="91425" spcFirstLastPara="1" rIns="91425" wrap="square" tIns="91425">
+            <a:normAutofit fontScale="90000"/>
+          </a:bodyPr>
+          <a:lstStyle/>
+          <a:p>
+            <a:pPr indent="0" lvl="0" marL="0" rtl="0" algn="l">
+              <a:spcBef>
+                <a:spcPts val="0"/>
+              </a:spcBef>
+              <a:spcAft>
+                <a:spcPts val="0"/>
+              </a:spcAft>
+              <a:buNone/>
+            </a:pPr>
+            <a:r>
+              <a:rPr lang="en-GB"/>
+              <a:t>Code</a:t>
+            </a:r>
+            <a:endParaRPr/>
+          </a:p>
+        </p:txBody>
+      </p:sp>
+      <p:pic>
+        <p:nvPicPr>
+          <p:cNvPr id="92" name="Google Shape;92;p19"/>
+          <p:cNvPicPr preferRelativeResize="0"/>
+          <p:nvPr/>
+        </p:nvPicPr>
+        <p:blipFill>
+          <a:blip r:embed="rId3">
+            <a:alphaModFix/>
+          </a:blip>
+          <a:stretch>
+            <a:fillRect/>
+          </a:stretch>
+        </p:blipFill>
+        <p:spPr>
+          <a:xfrm>
+            <a:off x="2142075" y="524550"/>
+            <a:ext cx="3773997" cy="3820977"/>
+          </a:xfrm>
+          <a:prstGeom prst="rect">
+            <a:avLst/>
+          </a:prstGeom>
+          <a:noFill/>
+          <a:ln>
+            <a:noFill/>
+          </a:ln>
+        </p:spPr>
+      </p:pic>
+    </p:spTree>
+  </p:cSld>
+  <p:clrMapOvr>
+    <a:masterClrMapping/>
+  </p:clrMapOvr>
+</p:sld>
+</file>
+
+<file path=ppt/slides/slide8.xml><?xml version="1.0" encoding="utf-8"?>
+<p:sld xmlns:a="http://schemas.openxmlformats.org/drawingml/2006/main" xmlns:r="http://schemas.openxmlformats.org/officeDocument/2006/relationships" xmlns:mc="http://schemas.openxmlformats.org/markup-compatibility/2006" xmlns:mv="urn:schemas-microsoft-com:mac:vml" xmlns:p="http://schemas.openxmlformats.org/presentationml/2006/main" xmlns:c="http://schemas.openxmlformats.org/drawingml/2006/chart" xmlns:dgm="http://schemas.openxmlformats.org/drawingml/2006/diagram" xmlns:o="urn:schemas-microsoft-com:office:office" xmlns:v="urn:schemas-microsoft-com:vml" xmlns:pvml="urn:schemas-microsoft-com:office:powerpoint" xmlns:com="http://schemas.openxmlformats.org/drawingml/2006/compatibility" xmlns:p14="http://schemas.microsoft.com/office/powerpoint/2010/main" xmlns:p15="http://schemas.microsoft.com/office/powerpoint/2012/main" xmlns:ahyp="http://schemas.microsoft.com/office/drawing/2018/hyperlinkcolor">
+  <p:cSld>
+    <p:spTree>
+      <p:nvGrpSpPr>
+        <p:cNvPr id="96" name="Shape 96"/>
+        <p:cNvGrpSpPr/>
+        <p:nvPr/>
+      </p:nvGrpSpPr>
+      <p:grpSpPr>
+        <a:xfrm>
+          <a:off x="0" y="0"/>
+          <a:ext cx="0" cy="0"/>
+          <a:chOff x="0" y="0"/>
+          <a:chExt cx="0" cy="0"/>
+        </a:xfrm>
+      </p:grpSpPr>
+      <p:sp>
+        <p:nvSpPr>
+          <p:cNvPr id="97" name="Google Shape;97;p20"/>
+          <p:cNvSpPr txBox="1"/>
+          <p:nvPr>
+            <p:ph type="title"/>
+          </p:nvPr>
+        </p:nvSpPr>
+        <p:spPr>
+          <a:xfrm>
+            <a:off x="311700" y="445025"/>
+            <a:ext cx="8520600" cy="572700"/>
+          </a:xfrm>
+          <a:prstGeom prst="rect">
+            <a:avLst/>
+          </a:prstGeom>
+        </p:spPr>
+        <p:txBody>
+          <a:bodyPr anchorCtr="0" anchor="t" bIns="91425" lIns="91425" spcFirstLastPara="1" rIns="91425" wrap="square" tIns="91425">
+            <a:normAutofit fontScale="90000"/>
+          </a:bodyPr>
+          <a:lstStyle/>
+          <a:p>
+            <a:pPr indent="0" lvl="0" marL="0" rtl="0" algn="l">
+              <a:spcBef>
+                <a:spcPts val="0"/>
+              </a:spcBef>
+              <a:spcAft>
+                <a:spcPts val="0"/>
+              </a:spcAft>
+              <a:buNone/>
+            </a:pPr>
+            <a:r>
+              <a:rPr lang="en-GB"/>
+              <a:t>Example 3: Send email when device is shaken</a:t>
+            </a:r>
+            <a:endParaRPr/>
+          </a:p>
+        </p:txBody>
+      </p:sp>
+      <p:sp>
+        <p:nvSpPr>
+          <p:cNvPr id="98" name="Google Shape;98;p20"/>
+          <p:cNvSpPr txBox="1"/>
+          <p:nvPr>
+            <p:ph idx="1" type="body"/>
+          </p:nvPr>
+        </p:nvSpPr>
+        <p:spPr>
+          <a:xfrm>
+            <a:off x="311700" y="1152475"/>
+            <a:ext cx="8520600" cy="3416400"/>
+          </a:xfrm>
+          <a:prstGeom prst="rect">
+            <a:avLst/>
+          </a:prstGeom>
+        </p:spPr>
+        <p:txBody>
+          <a:bodyPr anchorCtr="0" anchor="t" bIns="91425" lIns="91425" spcFirstLastPara="1" rIns="91425" wrap="square" tIns="91425">
+            <a:normAutofit/>
+          </a:bodyPr>
+          <a:lstStyle/>
+          <a:p>
+            <a:pPr indent="-342900" lvl="0" marL="457200" rtl="0" algn="l">
+              <a:spcBef>
+                <a:spcPts val="0"/>
+              </a:spcBef>
+              <a:spcAft>
+                <a:spcPts val="0"/>
+              </a:spcAft>
+              <a:buClr>
+                <a:srgbClr val="000000"/>
+              </a:buClr>
+              <a:buSzPts val="1800"/>
+              <a:buChar char="-"/>
+            </a:pPr>
+            <a:r>
+              <a:rPr lang="en-GB">
+                <a:solidFill>
+                  <a:srgbClr val="000000"/>
+                </a:solidFill>
+              </a:rPr>
+              <a:t>Would like to detect when device is shaken via accelerometer (motion sensor)</a:t>
+            </a:r>
+            <a:endParaRPr>
+              <a:solidFill>
+                <a:srgbClr val="000000"/>
+              </a:solidFill>
+            </a:endParaRPr>
+          </a:p>
+          <a:p>
+            <a:pPr indent="-342900" lvl="0" marL="457200" rtl="0" algn="l">
+              <a:spcBef>
+                <a:spcPts val="0"/>
+              </a:spcBef>
+              <a:spcAft>
+                <a:spcPts val="0"/>
+              </a:spcAft>
+              <a:buClr>
+                <a:srgbClr val="000000"/>
+              </a:buClr>
+              <a:buSzPts val="1800"/>
+              <a:buChar char="-"/>
+            </a:pPr>
+            <a:r>
+              <a:rPr lang="en-GB">
+                <a:solidFill>
+                  <a:srgbClr val="000000"/>
+                </a:solidFill>
+              </a:rPr>
+              <a:t>Want to send an email when this has been detected</a:t>
+            </a:r>
+            <a:endParaRPr>
+              <a:solidFill>
+                <a:srgbClr val="000000"/>
+              </a:solidFill>
+            </a:endParaRPr>
+          </a:p>
+          <a:p>
+            <a:pPr indent="0" lvl="0" marL="0" rtl="0" algn="l">
+              <a:spcBef>
+                <a:spcPts val="1200"/>
+              </a:spcBef>
+              <a:spcAft>
+                <a:spcPts val="0"/>
+              </a:spcAft>
+              <a:buNone/>
+            </a:pPr>
+            <a:r>
+              <a:t/>
+            </a:r>
+            <a:endParaRPr>
+              <a:solidFill>
+                <a:srgbClr val="000000"/>
+              </a:solidFill>
+            </a:endParaRPr>
+          </a:p>
+          <a:p>
+            <a:pPr indent="0" lvl="0" marL="0" rtl="0" algn="l">
+              <a:spcBef>
+                <a:spcPts val="1200"/>
+              </a:spcBef>
+              <a:spcAft>
+                <a:spcPts val="0"/>
+              </a:spcAft>
+              <a:buNone/>
+            </a:pPr>
+            <a:r>
+              <a:rPr lang="en-GB">
+                <a:solidFill>
+                  <a:srgbClr val="000000"/>
+                </a:solidFill>
+              </a:rPr>
+              <a:t>Requirements:</a:t>
+            </a:r>
+            <a:endParaRPr>
+              <a:solidFill>
+                <a:srgbClr val="000000"/>
+              </a:solidFill>
+            </a:endParaRPr>
+          </a:p>
+          <a:p>
+            <a:pPr indent="-342900" lvl="0" marL="457200" rtl="0" algn="l">
+              <a:spcBef>
+                <a:spcPts val="1200"/>
+              </a:spcBef>
+              <a:spcAft>
+                <a:spcPts val="0"/>
+              </a:spcAft>
+              <a:buClr>
+                <a:srgbClr val="000000"/>
+              </a:buClr>
+              <a:buSzPts val="1800"/>
+              <a:buChar char="-"/>
+            </a:pPr>
+            <a:r>
+              <a:rPr lang="en-GB">
+                <a:solidFill>
+                  <a:srgbClr val="000000"/>
+                </a:solidFill>
+              </a:rPr>
+              <a:t>Need code which detects shaking and triggers somehow email sending</a:t>
+            </a:r>
+            <a:endParaRPr>
+              <a:solidFill>
+                <a:srgbClr val="000000"/>
+              </a:solidFill>
+            </a:endParaRPr>
+          </a:p>
+          <a:p>
+            <a:pPr indent="-342900" lvl="0" marL="457200" rtl="0" algn="l">
+              <a:spcBef>
+                <a:spcPts val="0"/>
+              </a:spcBef>
+              <a:spcAft>
+                <a:spcPts val="0"/>
+              </a:spcAft>
+              <a:buClr>
+                <a:srgbClr val="000000"/>
+              </a:buClr>
+              <a:buSzPts val="1800"/>
+              <a:buChar char="-"/>
+            </a:pPr>
+            <a:r>
+              <a:rPr lang="en-GB">
+                <a:solidFill>
+                  <a:srgbClr val="000000"/>
+                </a:solidFill>
+              </a:rPr>
+              <a:t>Need code which takes care of the email sending</a:t>
+            </a:r>
+            <a:endParaRPr>
+              <a:solidFill>
+                <a:srgbClr val="000000"/>
+              </a:solidFill>
+            </a:endParaRPr>
+          </a:p>
+          <a:p>
+            <a:pPr indent="0" lvl="0" marL="0" rtl="0" algn="l">
+              <a:spcBef>
+                <a:spcPts val="1200"/>
+              </a:spcBef>
+              <a:spcAft>
+                <a:spcPts val="1200"/>
+              </a:spcAft>
+              <a:buNone/>
+            </a:pPr>
+            <a:r>
+              <a:t/>
+            </a:r>
+            <a:endParaRPr/>
+          </a:p>
+        </p:txBody>
+      </p:sp>
+    </p:spTree>
+  </p:cSld>
+  <p:clrMapOvr>
+    <a:masterClrMapping/>
+  </p:clrMapOvr>
+</p:sld>
+</file>
+
+<file path=ppt/slides/slide9.xml><?xml version="1.0" encoding="utf-8"?>
+<p:sld xmlns:a="http://schemas.openxmlformats.org/drawingml/2006/main" xmlns:r="http://schemas.openxmlformats.org/officeDocument/2006/relationships" xmlns:mc="http://schemas.openxmlformats.org/markup-compatibility/2006" xmlns:mv="urn:schemas-microsoft-com:mac:vml" xmlns:p="http://schemas.openxmlformats.org/presentationml/2006/main" xmlns:c="http://schemas.openxmlformats.org/drawingml/2006/chart" xmlns:dgm="http://schemas.openxmlformats.org/drawingml/2006/diagram" xmlns:o="urn:schemas-microsoft-com:office:office" xmlns:v="urn:schemas-microsoft-com:vml" xmlns:pvml="urn:schemas-microsoft-com:office:powerpoint" xmlns:com="http://schemas.openxmlformats.org/drawingml/2006/compatibility" xmlns:p14="http://schemas.microsoft.com/office/powerpoint/2010/main" xmlns:p15="http://schemas.microsoft.com/office/powerpoint/2012/main" xmlns:ahyp="http://schemas.microsoft.com/office/drawing/2018/hyperlinkcolor">
+  <p:cSld>
+    <p:spTree>
+      <p:nvGrpSpPr>
+        <p:cNvPr id="102" name="Shape 102"/>
+        <p:cNvGrpSpPr/>
+        <p:nvPr/>
+      </p:nvGrpSpPr>
+      <p:grpSpPr>
+        <a:xfrm>
+          <a:off x="0" y="0"/>
+          <a:ext cx="0" cy="0"/>
+          <a:chOff x="0" y="0"/>
+          <a:chExt cx="0" cy="0"/>
+        </a:xfrm>
+      </p:grpSpPr>
+      <p:sp>
+        <p:nvSpPr>
+          <p:cNvPr id="103" name="Google Shape;103;p21"/>
+          <p:cNvSpPr txBox="1"/>
+          <p:nvPr>
+            <p:ph type="title"/>
+          </p:nvPr>
+        </p:nvSpPr>
+        <p:spPr>
+          <a:xfrm>
+            <a:off x="311700" y="445025"/>
+            <a:ext cx="8520600" cy="572700"/>
+          </a:xfrm>
+          <a:prstGeom prst="rect">
+            <a:avLst/>
+          </a:prstGeom>
+        </p:spPr>
+        <p:txBody>
+          <a:bodyPr anchorCtr="0" anchor="t" bIns="91425" lIns="91425" spcFirstLastPara="1" rIns="91425" wrap="square" tIns="91425">
+            <a:normAutofit fontScale="90000"/>
+          </a:bodyPr>
+          <a:lstStyle/>
+          <a:p>
+            <a:pPr indent="0" lvl="0" marL="0" rtl="0" algn="l">
+              <a:spcBef>
+                <a:spcPts val="0"/>
+              </a:spcBef>
+              <a:spcAft>
+                <a:spcPts val="0"/>
+              </a:spcAft>
+              <a:buClr>
+                <a:schemeClr val="dk1"/>
+              </a:buClr>
+              <a:buSzPct val="39285"/>
+              <a:buFont typeface="Arial"/>
+              <a:buNone/>
+            </a:pPr>
+            <a:r>
+              <a:rPr lang="en-GB"/>
+              <a:t>Example 3: Send email when device is shaken</a:t>
+            </a:r>
+            <a:endParaRPr/>
+          </a:p>
+          <a:p>
+            <a:pPr indent="0" lvl="0" marL="0" rtl="0" algn="l">
+              <a:spcBef>
+                <a:spcPts val="0"/>
+              </a:spcBef>
+              <a:spcAft>
+                <a:spcPts val="0"/>
+              </a:spcAft>
+              <a:buNone/>
+            </a:pPr>
+            <a:r>
+              <a:t/>
+            </a:r>
+            <a:endParaRPr/>
+          </a:p>
+        </p:txBody>
+      </p:sp>
+      <p:sp>
+        <p:nvSpPr>
+          <p:cNvPr id="104" name="Google Shape;104;p21"/>
+          <p:cNvSpPr txBox="1"/>
+          <p:nvPr>
+            <p:ph idx="1" type="body"/>
+          </p:nvPr>
+        </p:nvSpPr>
+        <p:spPr>
+          <a:xfrm>
+            <a:off x="311700" y="1152475"/>
+            <a:ext cx="8520600" cy="3416400"/>
+          </a:xfrm>
+          <a:prstGeom prst="rect">
+            <a:avLst/>
+          </a:prstGeom>
+        </p:spPr>
+        <p:txBody>
+          <a:bodyPr anchorCtr="0" anchor="t" bIns="91425" lIns="91425" spcFirstLastPara="1" rIns="91425" wrap="square" tIns="91425">
+            <a:normAutofit/>
+          </a:bodyPr>
+          <a:lstStyle/>
+          <a:p>
+            <a:pPr indent="0" lvl="0" marL="0" rtl="0" algn="l">
+              <a:spcBef>
+                <a:spcPts val="0"/>
+              </a:spcBef>
+              <a:spcAft>
+                <a:spcPts val="0"/>
+              </a:spcAft>
+              <a:buNone/>
+            </a:pPr>
+            <a:r>
+              <a:rPr lang="en-GB">
+                <a:solidFill>
+                  <a:srgbClr val="000000"/>
+                </a:solidFill>
+              </a:rPr>
+              <a:t>Implementation:</a:t>
+            </a:r>
+            <a:endParaRPr>
+              <a:solidFill>
+                <a:srgbClr val="000000"/>
+              </a:solidFill>
+            </a:endParaRPr>
+          </a:p>
+          <a:p>
+            <a:pPr indent="-342900" lvl="0" marL="457200" rtl="0" algn="l">
+              <a:spcBef>
+                <a:spcPts val="1200"/>
+              </a:spcBef>
+              <a:spcAft>
+                <a:spcPts val="0"/>
+              </a:spcAft>
+              <a:buClr>
+                <a:srgbClr val="000000"/>
+              </a:buClr>
+              <a:buSzPts val="1800"/>
+              <a:buChar char="-"/>
+            </a:pPr>
+            <a:r>
+              <a:rPr lang="en-GB">
+                <a:solidFill>
+                  <a:srgbClr val="000000"/>
+                </a:solidFill>
+              </a:rPr>
+              <a:t>Use small piece of code on device to detect shaking and let it print out that it has been shaken</a:t>
+            </a:r>
+            <a:endParaRPr>
+              <a:solidFill>
+                <a:srgbClr val="000000"/>
+              </a:solidFill>
+            </a:endParaRPr>
+          </a:p>
+          <a:p>
+            <a:pPr indent="-342900" lvl="0" marL="457200" rtl="0" algn="l">
+              <a:spcBef>
+                <a:spcPts val="0"/>
+              </a:spcBef>
+              <a:spcAft>
+                <a:spcPts val="0"/>
+              </a:spcAft>
+              <a:buClr>
+                <a:srgbClr val="000000"/>
+              </a:buClr>
+              <a:buSzPts val="1800"/>
+              <a:buChar char="-"/>
+            </a:pPr>
+            <a:r>
+              <a:rPr lang="en-GB">
+                <a:solidFill>
+                  <a:srgbClr val="000000"/>
+                </a:solidFill>
+              </a:rPr>
+              <a:t>Use python program on computer to listen to device</a:t>
+            </a:r>
+            <a:endParaRPr>
+              <a:solidFill>
+                <a:srgbClr val="000000"/>
+              </a:solidFill>
+            </a:endParaRPr>
+          </a:p>
+          <a:p>
+            <a:pPr indent="-342900" lvl="0" marL="457200" rtl="0" algn="l">
+              <a:spcBef>
+                <a:spcPts val="0"/>
+              </a:spcBef>
+              <a:spcAft>
+                <a:spcPts val="0"/>
+              </a:spcAft>
+              <a:buClr>
+                <a:srgbClr val="000000"/>
+              </a:buClr>
+              <a:buSzPts val="1800"/>
+              <a:buChar char="-"/>
+            </a:pPr>
+            <a:r>
+              <a:rPr lang="en-GB">
+                <a:solidFill>
+                  <a:srgbClr val="000000"/>
+                </a:solidFill>
+              </a:rPr>
+              <a:t>When program on computer detects certain message, send email</a:t>
             </a:r>
             <a:endParaRPr>
               <a:solidFill>
